--- a/2022_DeepLearning/02_seminar_221007/history_of_deeplearning.pptx
+++ b/2022_DeepLearning/02_seminar_221007/history_of_deeplearning.pptx
@@ -108,6 +108,11 @@
       </a:defRPr>
     </a:lvl9pPr>
   </p:defaultTextStyle>
+  <p:extLst>
+    <p:ext uri="{EFAFB233-063F-42B5-8137-9DF3F51BA10A}">
+      <p15:sldGuideLst xmlns:p15="http://schemas.microsoft.com/office/powerpoint/2012/main"/>
+    </p:ext>
+  </p:extLst>
 </p:presentation>
 </file>
 
@@ -121,20 +126,6 @@
     </p:extLst>
   </p:cmAuthor>
 </p:cmAuthorLst>
-</file>
-
-<file path=ppt/comments/comment1.xml><?xml version="1.0" encoding="utf-8"?>
-<p:cmLst xmlns:a="http://schemas.openxmlformats.org/drawingml/2006/main" xmlns:r="http://schemas.openxmlformats.org/officeDocument/2006/relationships" xmlns:p="http://schemas.openxmlformats.org/presentationml/2006/main">
-  <p:cm authorId="1" dt="2022-10-12T18:04:48.171" idx="4">
-    <p:pos x="10" y="10"/>
-    <p:text>특징 추출부분, 분류부분</p:text>
-    <p:extLst>
-      <p:ext uri="{C676402C-5697-4E1C-873F-D02D1690AC5C}">
-        <p15:threadingInfo xmlns:p15="http://schemas.microsoft.com/office/powerpoint/2012/main" timeZoneBias="-540"/>
-      </p:ext>
-    </p:extLst>
-  </p:cm>
-</p:cmLst>
 </file>
 
 <file path=ppt/slideLayouts/slideLayout1.xml><?xml version="1.0" encoding="utf-8"?>
@@ -307,7 +298,7 @@
             <a:fld id="{87DE6118-2437-4B30-8E3C-4D2BE6020583}" type="datetimeFigureOut">
               <a:rPr lang="en-US" dirty="0"/>
               <a:pPr/>
-              <a:t>10/12/2022</a:t>
+              <a:t>10/14/2022</a:t>
             </a:fld>
             <a:endParaRPr lang="en-US" dirty="0"/>
           </a:p>
@@ -633,7 +624,7 @@
           <a:p>
             <a:fld id="{87DE6118-2437-4B30-8E3C-4D2BE6020583}" type="datetimeFigureOut">
               <a:rPr lang="en-US" dirty="0"/>
-              <a:t>10/12/2022</a:t>
+              <a:t>10/14/2022</a:t>
             </a:fld>
             <a:endParaRPr lang="en-US" dirty="0"/>
           </a:p>
@@ -808,7 +799,7 @@
           <a:p>
             <a:fld id="{87DE6118-2437-4B30-8E3C-4D2BE6020583}" type="datetimeFigureOut">
               <a:rPr lang="en-US" dirty="0"/>
-              <a:t>10/12/2022</a:t>
+              <a:t>10/14/2022</a:t>
             </a:fld>
             <a:endParaRPr lang="en-US" dirty="0"/>
           </a:p>
@@ -973,7 +964,7 @@
           <a:p>
             <a:fld id="{87DE6118-2437-4B30-8E3C-4D2BE6020583}" type="datetimeFigureOut">
               <a:rPr lang="en-US" dirty="0"/>
-              <a:t>10/12/2022</a:t>
+              <a:t>10/14/2022</a:t>
             </a:fld>
             <a:endParaRPr lang="en-US" dirty="0"/>
           </a:p>
@@ -1246,7 +1237,7 @@
             <a:fld id="{87DE6118-2437-4B30-8E3C-4D2BE6020583}" type="datetimeFigureOut">
               <a:rPr lang="en-US" dirty="0"/>
               <a:pPr/>
-              <a:t>10/12/2022</a:t>
+              <a:t>10/14/2022</a:t>
             </a:fld>
             <a:endParaRPr lang="en-US" dirty="0"/>
           </a:p>
@@ -1636,7 +1627,7 @@
           <a:p>
             <a:fld id="{87DE6118-2437-4B30-8E3C-4D2BE6020583}" type="datetimeFigureOut">
               <a:rPr lang="en-US" dirty="0"/>
-              <a:t>10/12/2022</a:t>
+              <a:t>10/14/2022</a:t>
             </a:fld>
             <a:endParaRPr lang="en-US" dirty="0"/>
           </a:p>
@@ -2108,7 +2099,7 @@
           <a:p>
             <a:fld id="{87DE6118-2437-4B30-8E3C-4D2BE6020583}" type="datetimeFigureOut">
               <a:rPr lang="en-US" dirty="0"/>
-              <a:t>10/12/2022</a:t>
+              <a:t>10/14/2022</a:t>
             </a:fld>
             <a:endParaRPr lang="en-US" dirty="0"/>
           </a:p>
@@ -2221,7 +2212,7 @@
           <a:p>
             <a:fld id="{87DE6118-2437-4B30-8E3C-4D2BE6020583}" type="datetimeFigureOut">
               <a:rPr lang="en-US" dirty="0"/>
-              <a:t>10/12/2022</a:t>
+              <a:t>10/14/2022</a:t>
             </a:fld>
             <a:endParaRPr lang="en-US" dirty="0"/>
           </a:p>
@@ -2311,7 +2302,7 @@
           <a:p>
             <a:fld id="{87DE6118-2437-4B30-8E3C-4D2BE6020583}" type="datetimeFigureOut">
               <a:rPr lang="en-US" dirty="0"/>
-              <a:t>10/12/2022</a:t>
+              <a:t>10/14/2022</a:t>
             </a:fld>
             <a:endParaRPr lang="en-US" dirty="0"/>
           </a:p>
@@ -2653,7 +2644,7 @@
             <a:fld id="{87DE6118-2437-4B30-8E3C-4D2BE6020583}" type="datetimeFigureOut">
               <a:rPr lang="en-US" dirty="0"/>
               <a:pPr/>
-              <a:t>10/12/2022</a:t>
+              <a:t>10/14/2022</a:t>
             </a:fld>
             <a:endParaRPr lang="en-US" dirty="0"/>
           </a:p>
@@ -3038,7 +3029,7 @@
             <a:fld id="{87DE6118-2437-4B30-8E3C-4D2BE6020583}" type="datetimeFigureOut">
               <a:rPr lang="en-US" dirty="0"/>
               <a:pPr/>
-              <a:t>10/12/2022</a:t>
+              <a:t>10/14/2022</a:t>
             </a:fld>
             <a:endParaRPr lang="en-US" dirty="0"/>
           </a:p>
@@ -3313,7 +3304,7 @@
             <a:fld id="{87DE6118-2437-4B30-8E3C-4D2BE6020583}" type="datetimeFigureOut">
               <a:rPr lang="en-US" dirty="0"/>
               <a:pPr/>
-              <a:t>10/12/2022</a:t>
+              <a:t>10/14/2022</a:t>
             </a:fld>
             <a:endParaRPr lang="en-US" dirty="0"/>
           </a:p>
@@ -4182,10 +4173,10 @@
         </p:nvGrpSpPr>
         <p:grpSpPr>
           <a:xfrm>
-            <a:off x="5318991" y="896142"/>
-            <a:ext cx="6253018" cy="5192931"/>
+            <a:off x="3883104" y="1843154"/>
+            <a:ext cx="4407344" cy="3666266"/>
             <a:chOff x="5318991" y="896142"/>
-            <a:chExt cx="6253018" cy="5192931"/>
+            <a:chExt cx="6253018" cy="5201598"/>
           </a:xfrm>
         </p:grpSpPr>
         <p:sp>
@@ -4203,7 +4194,7 @@
           <p:spPr>
             <a:xfrm>
               <a:off x="5318991" y="5442742"/>
-              <a:ext cx="6253018" cy="646331"/>
+              <a:ext cx="6253018" cy="654998"/>
             </a:xfrm>
             <a:prstGeom prst="rect">
               <a:avLst/>
@@ -4218,7 +4209,7 @@
             <a:p>
               <a:pPr algn="ctr"/>
               <a:r>
-                <a:rPr lang="en-US" dirty="0">
+                <a:rPr lang="en-US" sz="1200" dirty="0">
                   <a:solidFill>
                     <a:srgbClr val="0F0236"/>
                   </a:solidFill>
@@ -4231,7 +4222,7 @@
             <a:p>
               <a:pPr algn="ctr"/>
               <a:r>
-                <a:rPr lang="en-US" dirty="0">
+                <a:rPr lang="en-US" sz="1200" dirty="0">
                   <a:solidFill>
                     <a:srgbClr val="0F0236"/>
                   </a:solidFill>
@@ -4240,7 +4231,7 @@
                 </a:rPr>
                 <a:t>linear boundary as more training examples are added</a:t>
               </a:r>
-              <a:endParaRPr lang="en-US" dirty="0">
+              <a:endParaRPr lang="en-US" sz="1200" dirty="0">
                 <a:latin typeface="Segoe UI Semibold" panose="020B0702040204020203" pitchFamily="34" charset="0"/>
                 <a:cs typeface="Segoe UI Semibold" panose="020B0702040204020203" pitchFamily="34" charset="0"/>
               </a:endParaRPr>
@@ -4309,7 +4300,7 @@
         </p:nvGrpSpPr>
         <p:grpSpPr>
           <a:xfrm>
-            <a:off x="1570180" y="1997578"/>
+            <a:off x="8432375" y="1953705"/>
             <a:ext cx="3445164" cy="3445164"/>
             <a:chOff x="1570180" y="1997578"/>
             <a:chExt cx="3445164" cy="3445164"/>
@@ -4447,6 +4438,36 @@
           </p:spPr>
         </p:pic>
       </p:grpSp>
+      <p:pic>
+        <p:nvPicPr>
+          <p:cNvPr id="4" name="Picture 3">
+            <a:extLst>
+              <a:ext uri="{FF2B5EF4-FFF2-40B4-BE49-F238E27FC236}">
+                <a16:creationId xmlns:a16="http://schemas.microsoft.com/office/drawing/2014/main" id="{2D07AA68-81FE-4A04-969B-0CCB376074F8}"/>
+              </a:ext>
+            </a:extLst>
+          </p:cNvPr>
+          <p:cNvPicPr>
+            <a:picLocks noChangeAspect="1"/>
+          </p:cNvPicPr>
+          <p:nvPr/>
+        </p:nvPicPr>
+        <p:blipFill>
+          <a:blip r:embed="rId4"/>
+          <a:stretch>
+            <a:fillRect/>
+          </a:stretch>
+        </p:blipFill>
+        <p:spPr>
+          <a:xfrm>
+            <a:off x="1187932" y="2251965"/>
+            <a:ext cx="2809486" cy="2715524"/>
+          </a:xfrm>
+          <a:prstGeom prst="rect">
+            <a:avLst/>
+          </a:prstGeom>
+        </p:spPr>
+      </p:pic>
     </p:spTree>
     <p:extLst>
       <p:ext uri="{BB962C8B-B14F-4D97-AF65-F5344CB8AC3E}">
@@ -4608,7 +4629,7 @@
         </p:blipFill>
         <p:spPr>
           <a:xfrm>
-            <a:off x="6488244" y="4352060"/>
+            <a:off x="2247339" y="4306090"/>
             <a:ext cx="4419600" cy="1549730"/>
           </a:xfrm>
         </p:spPr>
@@ -4635,7 +4656,7 @@
         </p:blipFill>
         <p:spPr>
           <a:xfrm>
-            <a:off x="8843465" y="1770496"/>
+            <a:off x="4602560" y="1724526"/>
             <a:ext cx="2902230" cy="2581564"/>
           </a:xfrm>
           <a:prstGeom prst="rect">
@@ -4665,7 +4686,7 @@
         </p:blipFill>
         <p:spPr>
           <a:xfrm>
-            <a:off x="5181160" y="2021798"/>
+            <a:off x="940255" y="1975828"/>
             <a:ext cx="4118725" cy="2330262"/>
           </a:xfrm>
           <a:prstGeom prst="rect">
@@ -4687,7 +4708,7 @@
         </p:nvSpPr>
         <p:spPr>
           <a:xfrm>
-            <a:off x="5362237" y="5901790"/>
+            <a:off x="1121332" y="5855820"/>
             <a:ext cx="6182687" cy="369332"/>
           </a:xfrm>
           <a:prstGeom prst="rect">
@@ -4733,10 +4754,10 @@
         </p:nvGrpSpPr>
         <p:grpSpPr>
           <a:xfrm>
-            <a:off x="1371600" y="2479541"/>
-            <a:ext cx="3634509" cy="2489623"/>
+            <a:off x="8174917" y="1904331"/>
+            <a:ext cx="3634509" cy="2221954"/>
             <a:chOff x="1463964" y="2784551"/>
-            <a:chExt cx="3311236" cy="2130845"/>
+            <a:chExt cx="3311236" cy="1901750"/>
           </a:xfrm>
         </p:grpSpPr>
         <p:sp>
@@ -4809,7 +4830,7 @@
           <p:spPr>
             <a:xfrm>
               <a:off x="1668646" y="2884071"/>
-              <a:ext cx="2988446" cy="2031325"/>
+              <a:ext cx="2988446" cy="1694415"/>
             </a:xfrm>
             <a:prstGeom prst="rect">
               <a:avLst/>
@@ -4822,11 +4843,10 @@
             </a:bodyPr>
             <a:lstStyle/>
             <a:p>
-              <a:pPr marL="342900" indent="-342900">
+              <a:pPr>
                 <a:lnSpc>
                   <a:spcPct val="150000"/>
                 </a:lnSpc>
-                <a:buAutoNum type="arabicPeriod"/>
               </a:pPr>
               <a:r>
                 <a:rPr lang="en-US" dirty="0">
@@ -4836,15 +4856,14 @@
                   <a:latin typeface="Segoe UI Semibold" panose="020B0702040204020203" pitchFamily="34" charset="0"/>
                   <a:cs typeface="Segoe UI Semibold" panose="020B0702040204020203" pitchFamily="34" charset="0"/>
                 </a:rPr>
-                <a:t>Vanishing Gradient</a:t>
+                <a:t>1.  Vanishing Gradient</a:t>
               </a:r>
             </a:p>
             <a:p>
-              <a:pPr marL="342900" indent="-342900">
+              <a:pPr>
                 <a:lnSpc>
                   <a:spcPct val="150000"/>
                 </a:lnSpc>
-                <a:buAutoNum type="arabicPeriod"/>
               </a:pPr>
               <a:r>
                 <a:rPr lang="en-US" dirty="0">
@@ -4854,43 +4873,7 @@
                   <a:latin typeface="Segoe UI Semibold" panose="020B0702040204020203" pitchFamily="34" charset="0"/>
                   <a:cs typeface="Segoe UI Semibold" panose="020B0702040204020203" pitchFamily="34" charset="0"/>
                 </a:rPr>
-                <a:t>Overfitting</a:t>
-              </a:r>
-            </a:p>
-            <a:p>
-              <a:pPr marL="342900" indent="-342900">
-                <a:lnSpc>
-                  <a:spcPct val="150000"/>
-                </a:lnSpc>
-                <a:buAutoNum type="arabicPeriod"/>
-              </a:pPr>
-              <a:r>
-                <a:rPr lang="en-US" dirty="0">
-                  <a:solidFill>
-                    <a:srgbClr val="0F0236"/>
-                  </a:solidFill>
-                  <a:latin typeface="Segoe UI Semibold" panose="020B0702040204020203" pitchFamily="34" charset="0"/>
-                  <a:cs typeface="Segoe UI Semibold" panose="020B0702040204020203" pitchFamily="34" charset="0"/>
-                </a:rPr>
-                <a:t>Local Minima</a:t>
-              </a:r>
-            </a:p>
-            <a:p>
-              <a:pPr marL="342900" indent="-342900">
-                <a:lnSpc>
-                  <a:spcPct val="150000"/>
-                </a:lnSpc>
-                <a:buAutoNum type="arabicPeriod"/>
-              </a:pPr>
-              <a:r>
-                <a:rPr lang="en-US" dirty="0">
-                  <a:solidFill>
-                    <a:srgbClr val="0F0236"/>
-                  </a:solidFill>
-                  <a:latin typeface="Segoe UI Semibold" panose="020B0702040204020203" pitchFamily="34" charset="0"/>
-                  <a:cs typeface="Segoe UI Semibold" panose="020B0702040204020203" pitchFamily="34" charset="0"/>
-                </a:rPr>
-                <a:t>Amount of Labeled Data</a:t>
+                <a:t>2.  Amount of Labeled Data</a:t>
               </a:r>
             </a:p>
             <a:p>
@@ -4905,9 +4888,73 @@
                 <a:t>     needed</a:t>
               </a:r>
             </a:p>
+            <a:p>
+              <a:pPr>
+                <a:lnSpc>
+                  <a:spcPct val="150000"/>
+                </a:lnSpc>
+              </a:pPr>
+              <a:r>
+                <a:rPr lang="en-US" dirty="0">
+                  <a:solidFill>
+                    <a:srgbClr val="0F0236"/>
+                  </a:solidFill>
+                  <a:latin typeface="Segoe UI Semibold" panose="020B0702040204020203" pitchFamily="34" charset="0"/>
+                  <a:cs typeface="Segoe UI Semibold" panose="020B0702040204020203" pitchFamily="34" charset="0"/>
+                </a:rPr>
+                <a:t>3.  Overfitting</a:t>
+              </a:r>
+            </a:p>
+            <a:p>
+              <a:pPr>
+                <a:lnSpc>
+                  <a:spcPct val="150000"/>
+                </a:lnSpc>
+              </a:pPr>
+              <a:r>
+                <a:rPr lang="en-US" dirty="0">
+                  <a:solidFill>
+                    <a:srgbClr val="0F0236"/>
+                  </a:solidFill>
+                  <a:latin typeface="Segoe UI Semibold" panose="020B0702040204020203" pitchFamily="34" charset="0"/>
+                  <a:cs typeface="Segoe UI Semibold" panose="020B0702040204020203" pitchFamily="34" charset="0"/>
+                </a:rPr>
+                <a:t>4.  Local Minima</a:t>
+              </a:r>
+            </a:p>
           </p:txBody>
         </p:sp>
       </p:grpSp>
+      <p:pic>
+        <p:nvPicPr>
+          <p:cNvPr id="4" name="Picture 3">
+            <a:extLst>
+              <a:ext uri="{FF2B5EF4-FFF2-40B4-BE49-F238E27FC236}">
+                <a16:creationId xmlns:a16="http://schemas.microsoft.com/office/drawing/2014/main" id="{D05A7FC7-69EB-415B-8755-69FC66637635}"/>
+              </a:ext>
+            </a:extLst>
+          </p:cNvPr>
+          <p:cNvPicPr>
+            <a:picLocks noChangeAspect="1"/>
+          </p:cNvPicPr>
+          <p:nvPr/>
+        </p:nvPicPr>
+        <p:blipFill>
+          <a:blip r:embed="rId5"/>
+          <a:stretch>
+            <a:fillRect/>
+          </a:stretch>
+        </p:blipFill>
+        <p:spPr>
+          <a:xfrm>
+            <a:off x="8484922" y="4126285"/>
+            <a:ext cx="3014497" cy="1868139"/>
+          </a:xfrm>
+          <a:prstGeom prst="rect">
+            <a:avLst/>
+          </a:prstGeom>
+        </p:spPr>
+      </p:pic>
     </p:spTree>
     <p:extLst>
       <p:ext uri="{BB962C8B-B14F-4D97-AF65-F5344CB8AC3E}">
@@ -4953,6 +5000,33 @@
                                         </p:cTn>
                                         <p:tgtEl>
                                           <p:spTgt spid="14"/>
+                                        </p:tgtEl>
+                                        <p:attrNameLst>
+                                          <p:attrName>style.visibility</p:attrName>
+                                        </p:attrNameLst>
+                                      </p:cBhvr>
+                                      <p:to>
+                                        <p:strVal val="visible"/>
+                                      </p:to>
+                                    </p:set>
+                                  </p:childTnLst>
+                                </p:cTn>
+                              </p:par>
+                              <p:par>
+                                <p:cTn id="7" presetID="1" presetClass="entr" presetSubtype="0" fill="hold" nodeType="withEffect">
+                                  <p:stCondLst>
+                                    <p:cond delay="0"/>
+                                  </p:stCondLst>
+                                  <p:childTnLst>
+                                    <p:set>
+                                      <p:cBhvr>
+                                        <p:cTn id="8" dur="1" fill="hold">
+                                          <p:stCondLst>
+                                            <p:cond delay="0"/>
+                                          </p:stCondLst>
+                                        </p:cTn>
+                                        <p:tgtEl>
+                                          <p:spTgt spid="4"/>
                                         </p:tgtEl>
                                         <p:attrNameLst>
                                           <p:attrName>style.visibility</p:attrName>
